--- a/Effective Java.pptx
+++ b/Effective Java.pptx
@@ -730,7 +730,7 @@
           </a:lstStyle>
           <a:p>
             <a:r>
-              <a:rPr lang="en-US" smtClean="0"/>
+              <a:rPr lang="en-US"/>
               <a:t>Click to edit Master title style</a:t>
             </a:r>
             <a:endParaRPr lang="en-US" dirty="0"/>
@@ -850,7 +850,7 @@
           </a:lstStyle>
           <a:p>
             <a:r>
-              <a:rPr lang="en-US" smtClean="0"/>
+              <a:rPr lang="en-US"/>
               <a:t>Click to edit Master subtitle style</a:t>
             </a:r>
             <a:endParaRPr lang="en-US" dirty="0"/>
@@ -875,7 +875,7 @@
             <a:fld id="{B61BEF0D-F0BB-DE4B-95CE-6DB70DBA9567}" type="datetimeFigureOut">
               <a:rPr lang="en-US" dirty="0"/>
               <a:pPr/>
-              <a:t>03/01/2021</a:t>
+              <a:t>1/4/2021</a:t>
             </a:fld>
             <a:endParaRPr lang="en-US" dirty="0"/>
           </a:p>
@@ -976,7 +976,7 @@
           </a:lstStyle>
           <a:p>
             <a:r>
-              <a:rPr lang="en-US" smtClean="0"/>
+              <a:rPr lang="en-US"/>
               <a:t>Click to edit Master title style</a:t>
             </a:r>
             <a:endParaRPr lang="en-US" dirty="0"/>
@@ -1099,7 +1099,7 @@
           <a:p>
             <a:pPr lvl="0"/>
             <a:r>
-              <a:rPr lang="en-US" smtClean="0"/>
+              <a:rPr lang="en-US"/>
               <a:t>Edit Master text styles</a:t>
             </a:r>
           </a:p>
@@ -1123,7 +1123,7 @@
             <a:fld id="{B61BEF0D-F0BB-DE4B-95CE-6DB70DBA9567}" type="datetimeFigureOut">
               <a:rPr lang="en-US" dirty="0"/>
               <a:pPr/>
-              <a:t>03/01/2021</a:t>
+              <a:t>1/4/2021</a:t>
             </a:fld>
             <a:endParaRPr lang="en-US" dirty="0"/>
           </a:p>
@@ -1224,7 +1224,7 @@
           </a:lstStyle>
           <a:p>
             <a:r>
-              <a:rPr lang="en-US" smtClean="0"/>
+              <a:rPr lang="en-US"/>
               <a:t>Click to edit Master title style</a:t>
             </a:r>
             <a:endParaRPr lang="en-US" dirty="0"/>
@@ -1288,7 +1288,7 @@
           <a:p>
             <a:pPr lvl="0"/>
             <a:r>
-              <a:rPr lang="en-US" smtClean="0"/>
+              <a:rPr lang="en-US"/>
               <a:t>Edit Master text styles</a:t>
             </a:r>
           </a:p>
@@ -1410,7 +1410,7 @@
           <a:p>
             <a:pPr lvl="0"/>
             <a:r>
-              <a:rPr lang="en-US" smtClean="0"/>
+              <a:rPr lang="en-US"/>
               <a:t>Edit Master text styles</a:t>
             </a:r>
           </a:p>
@@ -1434,7 +1434,7 @@
             <a:fld id="{B61BEF0D-F0BB-DE4B-95CE-6DB70DBA9567}" type="datetimeFigureOut">
               <a:rPr lang="en-US" dirty="0"/>
               <a:pPr/>
-              <a:t>03/01/2021</a:t>
+              <a:t>1/4/2021</a:t>
             </a:fld>
             <a:endParaRPr lang="en-US" dirty="0"/>
           </a:p>
@@ -1617,7 +1617,7 @@
           </a:lstStyle>
           <a:p>
             <a:r>
-              <a:rPr lang="en-US" smtClean="0"/>
+              <a:rPr lang="en-US"/>
               <a:t>Click to edit Master title style</a:t>
             </a:r>
             <a:endParaRPr lang="en-US" dirty="0"/>
@@ -1740,7 +1740,7 @@
           <a:p>
             <a:pPr lvl="0"/>
             <a:r>
-              <a:rPr lang="en-US" smtClean="0"/>
+              <a:rPr lang="en-US"/>
               <a:t>Edit Master text styles</a:t>
             </a:r>
           </a:p>
@@ -1764,7 +1764,7 @@
             <a:fld id="{B61BEF0D-F0BB-DE4B-95CE-6DB70DBA9567}" type="datetimeFigureOut">
               <a:rPr lang="en-US" dirty="0"/>
               <a:pPr/>
-              <a:t>03/01/2021</a:t>
+              <a:t>1/4/2021</a:t>
             </a:fld>
             <a:endParaRPr lang="en-US" dirty="0"/>
           </a:p>
@@ -1865,7 +1865,7 @@
           </a:lstStyle>
           <a:p>
             <a:r>
-              <a:rPr lang="en-US" smtClean="0"/>
+              <a:rPr lang="en-US"/>
               <a:t>Click to edit Master title style</a:t>
             </a:r>
             <a:endParaRPr lang="en-US" dirty="0"/>
@@ -1929,7 +1929,7 @@
           <a:p>
             <a:pPr lvl="0"/>
             <a:r>
-              <a:rPr lang="en-US" smtClean="0"/>
+              <a:rPr lang="en-US"/>
               <a:t>Edit Master text styles</a:t>
             </a:r>
           </a:p>
@@ -2051,7 +2051,7 @@
           <a:p>
             <a:pPr lvl="0"/>
             <a:r>
-              <a:rPr lang="en-US" smtClean="0"/>
+              <a:rPr lang="en-US"/>
               <a:t>Edit Master text styles</a:t>
             </a:r>
           </a:p>
@@ -2075,7 +2075,7 @@
             <a:fld id="{B61BEF0D-F0BB-DE4B-95CE-6DB70DBA9567}" type="datetimeFigureOut">
               <a:rPr lang="en-US" dirty="0"/>
               <a:pPr/>
-              <a:t>03/01/2021</a:t>
+              <a:t>1/4/2021</a:t>
             </a:fld>
             <a:endParaRPr lang="en-US" dirty="0"/>
           </a:p>
@@ -2258,7 +2258,7 @@
           </a:lstStyle>
           <a:p>
             <a:r>
-              <a:rPr lang="en-US" smtClean="0"/>
+              <a:rPr lang="en-US"/>
               <a:t>Click to edit Master title style</a:t>
             </a:r>
             <a:endParaRPr lang="en-US" dirty="0"/>
@@ -2319,7 +2319,7 @@
           <a:p>
             <a:pPr lvl="0"/>
             <a:r>
-              <a:rPr lang="en-US" smtClean="0"/>
+              <a:rPr lang="en-US"/>
               <a:t>Edit Master text styles</a:t>
             </a:r>
           </a:p>
@@ -2441,7 +2441,7 @@
           <a:p>
             <a:pPr lvl="0"/>
             <a:r>
-              <a:rPr lang="en-US" smtClean="0"/>
+              <a:rPr lang="en-US"/>
               <a:t>Edit Master text styles</a:t>
             </a:r>
           </a:p>
@@ -2465,7 +2465,7 @@
             <a:fld id="{B61BEF0D-F0BB-DE4B-95CE-6DB70DBA9567}" type="datetimeFigureOut">
               <a:rPr lang="en-US" dirty="0"/>
               <a:pPr/>
-              <a:t>03/01/2021</a:t>
+              <a:t>1/4/2021</a:t>
             </a:fld>
             <a:endParaRPr lang="en-US" dirty="0"/>
           </a:p>
@@ -2555,7 +2555,7 @@
           <a:lstStyle/>
           <a:p>
             <a:r>
-              <a:rPr lang="en-US" smtClean="0"/>
+              <a:rPr lang="en-US"/>
               <a:t>Click to edit Master title style</a:t>
             </a:r>
             <a:endParaRPr lang="en-US" dirty="0"/>
@@ -2579,35 +2579,35 @@
           <a:p>
             <a:pPr lvl="0"/>
             <a:r>
-              <a:rPr lang="en-US" smtClean="0"/>
+              <a:rPr lang="en-US"/>
               <a:t>Edit Master text styles</a:t>
             </a:r>
           </a:p>
           <a:p>
             <a:pPr lvl="1"/>
             <a:r>
-              <a:rPr lang="en-US" smtClean="0"/>
+              <a:rPr lang="en-US"/>
               <a:t>Second level</a:t>
             </a:r>
           </a:p>
           <a:p>
             <a:pPr lvl="2"/>
             <a:r>
-              <a:rPr lang="en-US" smtClean="0"/>
+              <a:rPr lang="en-US"/>
               <a:t>Third level</a:t>
             </a:r>
           </a:p>
           <a:p>
             <a:pPr lvl="3"/>
             <a:r>
-              <a:rPr lang="en-US" smtClean="0"/>
+              <a:rPr lang="en-US"/>
               <a:t>Fourth level</a:t>
             </a:r>
           </a:p>
           <a:p>
             <a:pPr lvl="4"/>
             <a:r>
-              <a:rPr lang="en-US" smtClean="0"/>
+              <a:rPr lang="en-US"/>
               <a:t>Fifth level</a:t>
             </a:r>
             <a:endParaRPr lang="en-US" dirty="0"/>
@@ -2631,7 +2631,7 @@
           <a:p>
             <a:fld id="{55C6B4A9-1611-4792-9094-5F34BCA07E0B}" type="datetimeFigureOut">
               <a:rPr lang="en-US" dirty="0"/>
-              <a:t>03/01/2021</a:t>
+              <a:t>1/4/2021</a:t>
             </a:fld>
             <a:endParaRPr lang="en-US" dirty="0"/>
           </a:p>
@@ -2725,7 +2725,7 @@
           <a:lstStyle/>
           <a:p>
             <a:r>
-              <a:rPr lang="en-US" smtClean="0"/>
+              <a:rPr lang="en-US"/>
               <a:t>Click to edit Master title style</a:t>
             </a:r>
             <a:endParaRPr lang="en-US" dirty="0"/>
@@ -2754,35 +2754,35 @@
           <a:p>
             <a:pPr lvl="0"/>
             <a:r>
-              <a:rPr lang="en-US" smtClean="0"/>
+              <a:rPr lang="en-US"/>
               <a:t>Edit Master text styles</a:t>
             </a:r>
           </a:p>
           <a:p>
             <a:pPr lvl="1"/>
             <a:r>
-              <a:rPr lang="en-US" smtClean="0"/>
+              <a:rPr lang="en-US"/>
               <a:t>Second level</a:t>
             </a:r>
           </a:p>
           <a:p>
             <a:pPr lvl="2"/>
             <a:r>
-              <a:rPr lang="en-US" smtClean="0"/>
+              <a:rPr lang="en-US"/>
               <a:t>Third level</a:t>
             </a:r>
           </a:p>
           <a:p>
             <a:pPr lvl="3"/>
             <a:r>
-              <a:rPr lang="en-US" smtClean="0"/>
+              <a:rPr lang="en-US"/>
               <a:t>Fourth level</a:t>
             </a:r>
           </a:p>
           <a:p>
             <a:pPr lvl="4"/>
             <a:r>
-              <a:rPr lang="en-US" smtClean="0"/>
+              <a:rPr lang="en-US"/>
               <a:t>Fifth level</a:t>
             </a:r>
             <a:endParaRPr lang="en-US" dirty="0"/>
@@ -2807,7 +2807,7 @@
             <a:fld id="{B61BEF0D-F0BB-DE4B-95CE-6DB70DBA9567}" type="datetimeFigureOut">
               <a:rPr lang="en-US" dirty="0"/>
               <a:pPr/>
-              <a:t>03/01/2021</a:t>
+              <a:t>1/4/2021</a:t>
             </a:fld>
             <a:endParaRPr lang="en-US" dirty="0"/>
           </a:p>
@@ -2897,7 +2897,7 @@
           <a:lstStyle/>
           <a:p>
             <a:r>
-              <a:rPr lang="en-US" smtClean="0"/>
+              <a:rPr lang="en-US"/>
               <a:t>Click to edit Master title style</a:t>
             </a:r>
             <a:endParaRPr lang="en-US" dirty="0"/>
@@ -2921,35 +2921,35 @@
           <a:p>
             <a:pPr lvl="0"/>
             <a:r>
-              <a:rPr lang="en-US" smtClean="0"/>
+              <a:rPr lang="en-US"/>
               <a:t>Edit Master text styles</a:t>
             </a:r>
           </a:p>
           <a:p>
             <a:pPr lvl="1"/>
             <a:r>
-              <a:rPr lang="en-US" smtClean="0"/>
+              <a:rPr lang="en-US"/>
               <a:t>Second level</a:t>
             </a:r>
           </a:p>
           <a:p>
             <a:pPr lvl="2"/>
             <a:r>
-              <a:rPr lang="en-US" smtClean="0"/>
+              <a:rPr lang="en-US"/>
               <a:t>Third level</a:t>
             </a:r>
           </a:p>
           <a:p>
             <a:pPr lvl="3"/>
             <a:r>
-              <a:rPr lang="en-US" smtClean="0"/>
+              <a:rPr lang="en-US"/>
               <a:t>Fourth level</a:t>
             </a:r>
           </a:p>
           <a:p>
             <a:pPr lvl="4"/>
             <a:r>
-              <a:rPr lang="en-US" smtClean="0"/>
+              <a:rPr lang="en-US"/>
               <a:t>Fifth level</a:t>
             </a:r>
             <a:endParaRPr lang="en-US" dirty="0"/>
@@ -2973,7 +2973,7 @@
           <a:p>
             <a:fld id="{42A54C80-263E-416B-A8E0-580EDEADCBDC}" type="datetimeFigureOut">
               <a:rPr lang="en-US" dirty="0"/>
-              <a:t>03/01/2021</a:t>
+              <a:t>1/4/2021</a:t>
             </a:fld>
             <a:endParaRPr lang="en-US" dirty="0"/>
           </a:p>
@@ -3071,7 +3071,7 @@
           </a:lstStyle>
           <a:p>
             <a:r>
-              <a:rPr lang="en-US" smtClean="0"/>
+              <a:rPr lang="en-US"/>
               <a:t>Click to edit Master title style</a:t>
             </a:r>
             <a:endParaRPr lang="en-US" dirty="0"/>
@@ -3192,7 +3192,7 @@
           <a:p>
             <a:pPr lvl="0"/>
             <a:r>
-              <a:rPr lang="en-US" smtClean="0"/>
+              <a:rPr lang="en-US"/>
               <a:t>Edit Master text styles</a:t>
             </a:r>
           </a:p>
@@ -3216,7 +3216,7 @@
             <a:fld id="{B61BEF0D-F0BB-DE4B-95CE-6DB70DBA9567}" type="datetimeFigureOut">
               <a:rPr lang="en-US" dirty="0"/>
               <a:pPr/>
-              <a:t>03/01/2021</a:t>
+              <a:t>1/4/2021</a:t>
             </a:fld>
             <a:endParaRPr lang="en-US" dirty="0"/>
           </a:p>
@@ -3306,7 +3306,7 @@
           <a:lstStyle/>
           <a:p>
             <a:r>
-              <a:rPr lang="en-US" smtClean="0"/>
+              <a:rPr lang="en-US"/>
               <a:t>Click to edit Master title style</a:t>
             </a:r>
             <a:endParaRPr lang="en-US" dirty="0"/>
@@ -3335,35 +3335,35 @@
           <a:p>
             <a:pPr lvl="0"/>
             <a:r>
-              <a:rPr lang="en-US" smtClean="0"/>
+              <a:rPr lang="en-US"/>
               <a:t>Edit Master text styles</a:t>
             </a:r>
           </a:p>
           <a:p>
             <a:pPr lvl="1"/>
             <a:r>
-              <a:rPr lang="en-US" smtClean="0"/>
+              <a:rPr lang="en-US"/>
               <a:t>Second level</a:t>
             </a:r>
           </a:p>
           <a:p>
             <a:pPr lvl="2"/>
             <a:r>
-              <a:rPr lang="en-US" smtClean="0"/>
+              <a:rPr lang="en-US"/>
               <a:t>Third level</a:t>
             </a:r>
           </a:p>
           <a:p>
             <a:pPr lvl="3"/>
             <a:r>
-              <a:rPr lang="en-US" smtClean="0"/>
+              <a:rPr lang="en-US"/>
               <a:t>Fourth level</a:t>
             </a:r>
           </a:p>
           <a:p>
             <a:pPr lvl="4"/>
             <a:r>
-              <a:rPr lang="en-US" smtClean="0"/>
+              <a:rPr lang="en-US"/>
               <a:t>Fifth level</a:t>
             </a:r>
             <a:endParaRPr lang="en-US" dirty="0"/>
@@ -3392,35 +3392,35 @@
           <a:p>
             <a:pPr lvl="0"/>
             <a:r>
-              <a:rPr lang="en-US" smtClean="0"/>
+              <a:rPr lang="en-US"/>
               <a:t>Edit Master text styles</a:t>
             </a:r>
           </a:p>
           <a:p>
             <a:pPr lvl="1"/>
             <a:r>
-              <a:rPr lang="en-US" smtClean="0"/>
+              <a:rPr lang="en-US"/>
               <a:t>Second level</a:t>
             </a:r>
           </a:p>
           <a:p>
             <a:pPr lvl="2"/>
             <a:r>
-              <a:rPr lang="en-US" smtClean="0"/>
+              <a:rPr lang="en-US"/>
               <a:t>Third level</a:t>
             </a:r>
           </a:p>
           <a:p>
             <a:pPr lvl="3"/>
             <a:r>
-              <a:rPr lang="en-US" smtClean="0"/>
+              <a:rPr lang="en-US"/>
               <a:t>Fourth level</a:t>
             </a:r>
           </a:p>
           <a:p>
             <a:pPr lvl="4"/>
             <a:r>
-              <a:rPr lang="en-US" smtClean="0"/>
+              <a:rPr lang="en-US"/>
               <a:t>Fifth level</a:t>
             </a:r>
             <a:endParaRPr lang="en-US" dirty="0"/>
@@ -3444,7 +3444,7 @@
           <a:p>
             <a:fld id="{42A54C80-263E-416B-A8E0-580EDEADCBDC}" type="datetimeFigureOut">
               <a:rPr lang="en-US" dirty="0"/>
-              <a:t>03/01/2021</a:t>
+              <a:t>1/4/2021</a:t>
             </a:fld>
             <a:endParaRPr lang="en-US" dirty="0"/>
           </a:p>
@@ -3537,7 +3537,7 @@
           </a:lstStyle>
           <a:p>
             <a:r>
-              <a:rPr lang="en-US" smtClean="0"/>
+              <a:rPr lang="en-US"/>
               <a:t>Click to edit Master title style</a:t>
             </a:r>
             <a:endParaRPr lang="en-US" dirty="0"/>
@@ -3605,7 +3605,7 @@
           <a:p>
             <a:pPr lvl="0"/>
             <a:r>
-              <a:rPr lang="en-US" smtClean="0"/>
+              <a:rPr lang="en-US"/>
               <a:t>Edit Master text styles</a:t>
             </a:r>
           </a:p>
@@ -3635,35 +3635,35 @@
           <a:p>
             <a:pPr lvl="0"/>
             <a:r>
-              <a:rPr lang="en-US" smtClean="0"/>
+              <a:rPr lang="en-US"/>
               <a:t>Edit Master text styles</a:t>
             </a:r>
           </a:p>
           <a:p>
             <a:pPr lvl="1"/>
             <a:r>
-              <a:rPr lang="en-US" smtClean="0"/>
+              <a:rPr lang="en-US"/>
               <a:t>Second level</a:t>
             </a:r>
           </a:p>
           <a:p>
             <a:pPr lvl="2"/>
             <a:r>
-              <a:rPr lang="en-US" smtClean="0"/>
+              <a:rPr lang="en-US"/>
               <a:t>Third level</a:t>
             </a:r>
           </a:p>
           <a:p>
             <a:pPr lvl="3"/>
             <a:r>
-              <a:rPr lang="en-US" smtClean="0"/>
+              <a:rPr lang="en-US"/>
               <a:t>Fourth level</a:t>
             </a:r>
           </a:p>
           <a:p>
             <a:pPr lvl="4"/>
             <a:r>
-              <a:rPr lang="en-US" smtClean="0"/>
+              <a:rPr lang="en-US"/>
               <a:t>Fifth level</a:t>
             </a:r>
             <a:endParaRPr lang="en-US" dirty="0"/>
@@ -3731,7 +3731,7 @@
           <a:p>
             <a:pPr lvl="0"/>
             <a:r>
-              <a:rPr lang="en-US" smtClean="0"/>
+              <a:rPr lang="en-US"/>
               <a:t>Edit Master text styles</a:t>
             </a:r>
           </a:p>
@@ -3761,35 +3761,35 @@
           <a:p>
             <a:pPr lvl="0"/>
             <a:r>
-              <a:rPr lang="en-US" smtClean="0"/>
+              <a:rPr lang="en-US"/>
               <a:t>Edit Master text styles</a:t>
             </a:r>
           </a:p>
           <a:p>
             <a:pPr lvl="1"/>
             <a:r>
-              <a:rPr lang="en-US" smtClean="0"/>
+              <a:rPr lang="en-US"/>
               <a:t>Second level</a:t>
             </a:r>
           </a:p>
           <a:p>
             <a:pPr lvl="2"/>
             <a:r>
-              <a:rPr lang="en-US" smtClean="0"/>
+              <a:rPr lang="en-US"/>
               <a:t>Third level</a:t>
             </a:r>
           </a:p>
           <a:p>
             <a:pPr lvl="3"/>
             <a:r>
-              <a:rPr lang="en-US" smtClean="0"/>
+              <a:rPr lang="en-US"/>
               <a:t>Fourth level</a:t>
             </a:r>
           </a:p>
           <a:p>
             <a:pPr lvl="4"/>
             <a:r>
-              <a:rPr lang="en-US" smtClean="0"/>
+              <a:rPr lang="en-US"/>
               <a:t>Fifth level</a:t>
             </a:r>
             <a:endParaRPr lang="en-US" dirty="0"/>
@@ -3814,7 +3814,7 @@
             <a:fld id="{B61BEF0D-F0BB-DE4B-95CE-6DB70DBA9567}" type="datetimeFigureOut">
               <a:rPr lang="en-US" dirty="0"/>
               <a:pPr/>
-              <a:t>03/01/2021</a:t>
+              <a:t>1/4/2021</a:t>
             </a:fld>
             <a:endParaRPr lang="en-US" dirty="0"/>
           </a:p>
@@ -3909,7 +3909,7 @@
           <a:lstStyle/>
           <a:p>
             <a:r>
-              <a:rPr lang="en-US" smtClean="0"/>
+              <a:rPr lang="en-US"/>
               <a:t>Click to edit Master title style</a:t>
             </a:r>
             <a:endParaRPr lang="en-US" dirty="0"/>
@@ -3934,7 +3934,7 @@
             <a:fld id="{B61BEF0D-F0BB-DE4B-95CE-6DB70DBA9567}" type="datetimeFigureOut">
               <a:rPr lang="en-US" dirty="0"/>
               <a:pPr/>
-              <a:t>03/01/2021</a:t>
+              <a:t>1/4/2021</a:t>
             </a:fld>
             <a:endParaRPr lang="en-US" dirty="0"/>
           </a:p>
@@ -4026,7 +4026,7 @@
             <a:fld id="{B61BEF0D-F0BB-DE4B-95CE-6DB70DBA9567}" type="datetimeFigureOut">
               <a:rPr lang="en-US" dirty="0"/>
               <a:pPr/>
-              <a:t>03/01/2021</a:t>
+              <a:t>1/4/2021</a:t>
             </a:fld>
             <a:endParaRPr lang="en-US" dirty="0"/>
           </a:p>
@@ -4127,7 +4127,7 @@
           </a:lstStyle>
           <a:p>
             <a:r>
-              <a:rPr lang="en-US" smtClean="0"/>
+              <a:rPr lang="en-US"/>
               <a:t>Click to edit Master title style</a:t>
             </a:r>
             <a:endParaRPr lang="en-US" dirty="0"/>
@@ -4158,35 +4158,35 @@
           <a:p>
             <a:pPr lvl="0"/>
             <a:r>
-              <a:rPr lang="en-US" smtClean="0"/>
+              <a:rPr lang="en-US"/>
               <a:t>Edit Master text styles</a:t>
             </a:r>
           </a:p>
           <a:p>
             <a:pPr lvl="1"/>
             <a:r>
-              <a:rPr lang="en-US" smtClean="0"/>
+              <a:rPr lang="en-US"/>
               <a:t>Second level</a:t>
             </a:r>
           </a:p>
           <a:p>
             <a:pPr lvl="2"/>
             <a:r>
-              <a:rPr lang="en-US" smtClean="0"/>
+              <a:rPr lang="en-US"/>
               <a:t>Third level</a:t>
             </a:r>
           </a:p>
           <a:p>
             <a:pPr lvl="3"/>
             <a:r>
-              <a:rPr lang="en-US" smtClean="0"/>
+              <a:rPr lang="en-US"/>
               <a:t>Fourth level</a:t>
             </a:r>
           </a:p>
           <a:p>
             <a:pPr lvl="4"/>
             <a:r>
-              <a:rPr lang="en-US" smtClean="0"/>
+              <a:rPr lang="en-US"/>
               <a:t>Fifth level</a:t>
             </a:r>
             <a:endParaRPr lang="en-US" dirty="0"/>
@@ -4254,7 +4254,7 @@
           <a:p>
             <a:pPr lvl="0"/>
             <a:r>
-              <a:rPr lang="en-US" smtClean="0"/>
+              <a:rPr lang="en-US"/>
               <a:t>Edit Master text styles</a:t>
             </a:r>
           </a:p>
@@ -4277,7 +4277,7 @@
           <a:p>
             <a:fld id="{42A54C80-263E-416B-A8E0-580EDEADCBDC}" type="datetimeFigureOut">
               <a:rPr lang="en-US" dirty="0"/>
-              <a:t>03/01/2021</a:t>
+              <a:t>1/4/2021</a:t>
             </a:fld>
             <a:endParaRPr lang="en-US" dirty="0"/>
           </a:p>
@@ -4377,7 +4377,7 @@
           </a:lstStyle>
           <a:p>
             <a:r>
-              <a:rPr lang="en-US" smtClean="0"/>
+              <a:rPr lang="en-US"/>
               <a:t>Click to edit Master title style</a:t>
             </a:r>
             <a:endParaRPr lang="en-US" dirty="0"/>
@@ -4444,7 +4444,7 @@
           </a:lstStyle>
           <a:p>
             <a:r>
-              <a:rPr lang="en-US" smtClean="0"/>
+              <a:rPr lang="en-US"/>
               <a:t>Click icon to add picture</a:t>
             </a:r>
             <a:endParaRPr lang="en-US" dirty="0"/>
@@ -4512,7 +4512,7 @@
           <a:p>
             <a:pPr lvl="0"/>
             <a:r>
-              <a:rPr lang="en-US" smtClean="0"/>
+              <a:rPr lang="en-US"/>
               <a:t>Edit Master text styles</a:t>
             </a:r>
           </a:p>
@@ -4579,7 +4579,7 @@
             <a:fld id="{B61BEF0D-F0BB-DE4B-95CE-6DB70DBA9567}" type="datetimeFigureOut">
               <a:rPr lang="en-US" dirty="0"/>
               <a:pPr/>
-              <a:t>03/01/2021</a:t>
+              <a:t>1/4/2021</a:t>
             </a:fld>
             <a:endParaRPr lang="en-US" dirty="0"/>
           </a:p>
@@ -5172,7 +5172,7 @@
           <a:lstStyle/>
           <a:p>
             <a:r>
-              <a:rPr lang="en-US" smtClean="0"/>
+              <a:rPr lang="en-US"/>
               <a:t>Click to edit Master title style</a:t>
             </a:r>
             <a:endParaRPr lang="en-US" dirty="0"/>
@@ -5206,35 +5206,35 @@
           <a:p>
             <a:pPr lvl="0"/>
             <a:r>
-              <a:rPr lang="en-US" smtClean="0"/>
+              <a:rPr lang="en-US"/>
               <a:t>Edit Master text styles</a:t>
             </a:r>
           </a:p>
           <a:p>
             <a:pPr lvl="1"/>
             <a:r>
-              <a:rPr lang="en-US" smtClean="0"/>
+              <a:rPr lang="en-US"/>
               <a:t>Second level</a:t>
             </a:r>
           </a:p>
           <a:p>
             <a:pPr lvl="2"/>
             <a:r>
-              <a:rPr lang="en-US" smtClean="0"/>
+              <a:rPr lang="en-US"/>
               <a:t>Third level</a:t>
             </a:r>
           </a:p>
           <a:p>
             <a:pPr lvl="3"/>
             <a:r>
-              <a:rPr lang="en-US" smtClean="0"/>
+              <a:rPr lang="en-US"/>
               <a:t>Fourth level</a:t>
             </a:r>
           </a:p>
           <a:p>
             <a:pPr lvl="4"/>
             <a:r>
-              <a:rPr lang="en-US" smtClean="0"/>
+              <a:rPr lang="en-US"/>
               <a:t>Fifth level</a:t>
             </a:r>
             <a:endParaRPr lang="en-US" dirty="0"/>
@@ -5277,7 +5277,7 @@
             <a:fld id="{B61BEF0D-F0BB-DE4B-95CE-6DB70DBA9567}" type="datetimeFigureOut">
               <a:rPr lang="en-US" dirty="0"/>
               <a:pPr/>
-              <a:t>03/01/2021</a:t>
+              <a:t>1/4/2021</a:t>
             </a:fld>
             <a:endParaRPr lang="en-US" dirty="0"/>
           </a:p>
@@ -5813,10 +5813,9 @@
           <a:lstStyle/>
           <a:p>
             <a:r>
-              <a:rPr lang="en-US" dirty="0" smtClean="0"/>
+              <a:rPr lang="en-US" dirty="0"/>
               <a:t>Effective Java</a:t>
             </a:r>
-            <a:endParaRPr lang="en-US" dirty="0"/>
           </a:p>
         </p:txBody>
       </p:sp>
@@ -5836,10 +5835,9 @@
           <a:lstStyle/>
           <a:p>
             <a:r>
-              <a:rPr lang="en-US" dirty="0" smtClean="0"/>
+              <a:rPr lang="en-US" dirty="0"/>
               <a:t>Nguyen Ngoc Hai – Software Engineer</a:t>
             </a:r>
-            <a:endParaRPr lang="en-US" dirty="0"/>
           </a:p>
         </p:txBody>
       </p:sp>
@@ -5853,13 +5851,6 @@
   <p:clrMapOvr>
     <a:masterClrMapping/>
   </p:clrMapOvr>
-  <p:timing>
-    <p:tnLst>
-      <p:par>
-        <p:cTn id="1" dur="indefinite" restart="never" nodeType="tmRoot"/>
-      </p:par>
-    </p:tnLst>
-  </p:timing>
 </p:sld>
 </file>
 
@@ -5896,10 +5887,9 @@
           <a:lstStyle/>
           <a:p>
             <a:r>
-              <a:rPr lang="en-US" dirty="0" smtClean="0"/>
+              <a:rPr lang="en-US" dirty="0"/>
               <a:t>Object Methods</a:t>
             </a:r>
-            <a:endParaRPr lang="en-US" dirty="0"/>
           </a:p>
         </p:txBody>
       </p:sp>
@@ -5919,7 +5909,7 @@
           <a:lstStyle/>
           <a:p>
             <a:r>
-              <a:rPr lang="en-US" dirty="0" smtClean="0"/>
+              <a:rPr lang="en-US" dirty="0"/>
               <a:t>Equals: </a:t>
             </a:r>
             <a:r>
@@ -5930,21 +5920,11 @@
                 <a:latin typeface="Arial" panose="020B0604020202020204" pitchFamily="34" charset="0"/>
                 <a:cs typeface="Arial" panose="020B0604020202020204" pitchFamily="34" charset="0"/>
               </a:rPr>
-              <a:t>for any non-null reference </a:t>
-            </a:r>
-            <a:r>
-              <a:rPr lang="en-US" altLang="en-US" dirty="0" smtClean="0">
-                <a:solidFill>
-                  <a:srgbClr val="353833"/>
-                </a:solidFill>
-                <a:latin typeface="Arial" panose="020B0604020202020204" pitchFamily="34" charset="0"/>
-                <a:cs typeface="Arial" panose="020B0604020202020204" pitchFamily="34" charset="0"/>
-              </a:rPr>
-              <a:t>value</a:t>
-            </a:r>
-          </a:p>
-          <a:p>
-            <a:endParaRPr lang="en-US" dirty="0" smtClean="0"/>
+              <a:t>for any non-null reference value</a:t>
+            </a:r>
+          </a:p>
+          <a:p>
+            <a:endParaRPr lang="en-US" dirty="0"/>
           </a:p>
           <a:p>
             <a:pPr marL="0" lvl="0" indent="0" defTabSz="914400" eaLnBrk="0" fontAlgn="base" hangingPunct="0">
@@ -5970,7 +5950,7 @@
               <a:t>R</a:t>
             </a:r>
             <a:r>
-              <a:rPr lang="en-US" altLang="en-US" i="1" dirty="0" smtClean="0">
+              <a:rPr lang="en-US" altLang="en-US" i="1" dirty="0">
                 <a:solidFill>
                   <a:srgbClr val="353833"/>
                 </a:solidFill>
@@ -5980,7 +5960,7 @@
               <a:t>eflexive</a:t>
             </a:r>
             <a:r>
-              <a:rPr lang="en-US" altLang="en-US" dirty="0" smtClean="0">
+              <a:rPr lang="en-US" altLang="en-US" dirty="0">
                 <a:solidFill>
                   <a:srgbClr val="353833"/>
                 </a:solidFill>
@@ -5990,7 +5970,7 @@
               <a:t>: </a:t>
             </a:r>
             <a:r>
-              <a:rPr lang="en-US" altLang="en-US" dirty="0" err="1" smtClean="0">
+              <a:rPr lang="en-US" altLang="en-US" dirty="0" err="1">
                 <a:solidFill>
                   <a:srgbClr val="353833"/>
                 </a:solidFill>
@@ -6000,24 +5980,14 @@
               <a:t>x.equals</a:t>
             </a:r>
             <a:r>
-              <a:rPr lang="en-US" altLang="en-US" dirty="0" smtClean="0">
+              <a:rPr lang="en-US" altLang="en-US" dirty="0">
                 <a:solidFill>
                   <a:srgbClr val="353833"/>
                 </a:solidFill>
                 <a:latin typeface="Arial Unicode MS"/>
                 <a:cs typeface="Arial" panose="020B0604020202020204" pitchFamily="34" charset="0"/>
               </a:rPr>
-              <a:t>(x</a:t>
-            </a:r>
-            <a:r>
-              <a:rPr lang="en-US" altLang="en-US" dirty="0">
-                <a:solidFill>
-                  <a:srgbClr val="353833"/>
-                </a:solidFill>
-                <a:latin typeface="Arial Unicode MS"/>
-                <a:cs typeface="Arial" panose="020B0604020202020204" pitchFamily="34" charset="0"/>
-              </a:rPr>
-              <a:t>)</a:t>
+              <a:t>(x)</a:t>
             </a:r>
             <a:r>
               <a:rPr lang="en-US" altLang="en-US" dirty="0">
@@ -6027,27 +5997,7 @@
                 <a:latin typeface="Arial" panose="020B0604020202020204" pitchFamily="34" charset="0"/>
                 <a:cs typeface="Arial" panose="020B0604020202020204" pitchFamily="34" charset="0"/>
               </a:rPr>
-              <a:t> </a:t>
-            </a:r>
-            <a:r>
-              <a:rPr lang="en-US" altLang="en-US" dirty="0" smtClean="0">
-                <a:solidFill>
-                  <a:srgbClr val="353833"/>
-                </a:solidFill>
-                <a:latin typeface="Arial" panose="020B0604020202020204" pitchFamily="34" charset="0"/>
-                <a:cs typeface="Arial" panose="020B0604020202020204" pitchFamily="34" charset="0"/>
-              </a:rPr>
-              <a:t>-&gt;</a:t>
-            </a:r>
-            <a:r>
-              <a:rPr lang="en-US" altLang="en-US" dirty="0">
-                <a:solidFill>
-                  <a:srgbClr val="353833"/>
-                </a:solidFill>
-                <a:latin typeface="Arial" panose="020B0604020202020204" pitchFamily="34" charset="0"/>
-                <a:cs typeface="Arial" panose="020B0604020202020204" pitchFamily="34" charset="0"/>
-              </a:rPr>
-              <a:t> </a:t>
+              <a:t> -&gt; </a:t>
             </a:r>
             <a:r>
               <a:rPr lang="en-US" altLang="en-US" dirty="0">
@@ -6060,7 +6010,7 @@
               <a:t>true</a:t>
             </a:r>
             <a:r>
-              <a:rPr lang="en-US" altLang="en-US" dirty="0" smtClean="0">
+              <a:rPr lang="en-US" altLang="en-US" dirty="0">
                 <a:solidFill>
                   <a:srgbClr val="353833"/>
                 </a:solidFill>
@@ -6104,7 +6054,7 @@
               <a:buChar char="•"/>
             </a:pPr>
             <a:r>
-              <a:rPr lang="en-US" altLang="en-US" dirty="0" smtClean="0">
+              <a:rPr lang="en-US" altLang="en-US" dirty="0">
                 <a:solidFill>
                   <a:srgbClr val="353833"/>
                 </a:solidFill>
@@ -6114,7 +6064,7 @@
               <a:t>S</a:t>
             </a:r>
             <a:r>
-              <a:rPr lang="en-US" altLang="en-US" i="1" dirty="0" smtClean="0">
+              <a:rPr lang="en-US" altLang="en-US" i="1" dirty="0">
                 <a:solidFill>
                   <a:srgbClr val="353833"/>
                 </a:solidFill>
@@ -6134,7 +6084,7 @@
               <a:t>: </a:t>
             </a:r>
             <a:r>
-              <a:rPr lang="en-US" altLang="en-US" dirty="0" err="1" smtClean="0">
+              <a:rPr lang="en-US" altLang="en-US" dirty="0" err="1">
                 <a:solidFill>
                   <a:srgbClr val="353833"/>
                 </a:solidFill>
@@ -6144,24 +6094,14 @@
               <a:t>x.equals</a:t>
             </a:r>
             <a:r>
-              <a:rPr lang="en-US" altLang="en-US" dirty="0" smtClean="0">
+              <a:rPr lang="en-US" altLang="en-US" dirty="0">
                 <a:solidFill>
                   <a:srgbClr val="353833"/>
                 </a:solidFill>
                 <a:latin typeface="Arial Unicode MS"/>
                 <a:cs typeface="Arial" panose="020B0604020202020204" pitchFamily="34" charset="0"/>
               </a:rPr>
-              <a:t>(y</a:t>
-            </a:r>
-            <a:r>
-              <a:rPr lang="en-US" altLang="en-US" dirty="0">
-                <a:solidFill>
-                  <a:srgbClr val="353833"/>
-                </a:solidFill>
-                <a:latin typeface="Arial Unicode MS"/>
-                <a:cs typeface="Arial" panose="020B0604020202020204" pitchFamily="34" charset="0"/>
-              </a:rPr>
-              <a:t>)</a:t>
+              <a:t>(y)</a:t>
             </a:r>
             <a:r>
               <a:rPr lang="en-US" altLang="en-US" dirty="0">
@@ -6171,20 +6111,10 @@
                 <a:latin typeface="Arial" panose="020B0604020202020204" pitchFamily="34" charset="0"/>
                 <a:cs typeface="Arial" panose="020B0604020202020204" pitchFamily="34" charset="0"/>
               </a:rPr>
-              <a:t> </a:t>
-            </a:r>
-            <a:r>
-              <a:rPr lang="en-US" altLang="en-US" dirty="0" smtClean="0">
-                <a:solidFill>
-                  <a:srgbClr val="353833"/>
-                </a:solidFill>
-                <a:latin typeface="Arial" panose="020B0604020202020204" pitchFamily="34" charset="0"/>
-                <a:cs typeface="Arial" panose="020B0604020202020204" pitchFamily="34" charset="0"/>
-              </a:rPr>
-              <a:t>-&gt; </a:t>
-            </a:r>
-            <a:r>
-              <a:rPr lang="en-US" altLang="en-US" dirty="0" smtClean="0">
+              <a:t> -&gt; </a:t>
+            </a:r>
+            <a:r>
+              <a:rPr lang="en-US" altLang="en-US" dirty="0">
                 <a:solidFill>
                   <a:srgbClr val="353833"/>
                 </a:solidFill>
@@ -6231,27 +6161,7 @@
                 <a:latin typeface="Arial" panose="020B0604020202020204" pitchFamily="34" charset="0"/>
                 <a:cs typeface="Arial" panose="020B0604020202020204" pitchFamily="34" charset="0"/>
               </a:rPr>
-              <a:t> </a:t>
-            </a:r>
-            <a:r>
-              <a:rPr lang="en-US" altLang="en-US" dirty="0" smtClean="0">
-                <a:solidFill>
-                  <a:srgbClr val="353833"/>
-                </a:solidFill>
-                <a:latin typeface="Arial" panose="020B0604020202020204" pitchFamily="34" charset="0"/>
-                <a:cs typeface="Arial" panose="020B0604020202020204" pitchFamily="34" charset="0"/>
-              </a:rPr>
-              <a:t>-&gt;</a:t>
-            </a:r>
-            <a:r>
-              <a:rPr lang="en-US" altLang="en-US" dirty="0">
-                <a:solidFill>
-                  <a:srgbClr val="353833"/>
-                </a:solidFill>
-                <a:latin typeface="Arial" panose="020B0604020202020204" pitchFamily="34" charset="0"/>
-                <a:cs typeface="Arial" panose="020B0604020202020204" pitchFamily="34" charset="0"/>
-              </a:rPr>
-              <a:t> </a:t>
+              <a:t> -&gt; </a:t>
             </a:r>
             <a:r>
               <a:rPr lang="en-US" altLang="en-US" dirty="0">
@@ -6264,7 +6174,7 @@
               <a:t>true</a:t>
             </a:r>
             <a:r>
-              <a:rPr lang="en-US" altLang="en-US" dirty="0" smtClean="0">
+              <a:rPr lang="en-US" altLang="en-US" dirty="0">
                 <a:solidFill>
                   <a:srgbClr val="353833"/>
                 </a:solidFill>
@@ -6309,7 +6219,7 @@
               <a:buChar char="•"/>
             </a:pPr>
             <a:r>
-              <a:rPr lang="en-US" altLang="en-US" dirty="0" smtClean="0">
+              <a:rPr lang="en-US" altLang="en-US" dirty="0">
                 <a:solidFill>
                   <a:srgbClr val="353833"/>
                 </a:solidFill>
@@ -6319,7 +6229,7 @@
               <a:t>T</a:t>
             </a:r>
             <a:r>
-              <a:rPr lang="en-US" altLang="en-US" i="1" dirty="0" smtClean="0">
+              <a:rPr lang="en-US" altLang="en-US" i="1" dirty="0">
                 <a:solidFill>
                   <a:srgbClr val="353833"/>
                 </a:solidFill>
@@ -6329,24 +6239,14 @@
               <a:t>ransitive</a:t>
             </a:r>
             <a:r>
-              <a:rPr lang="en-US" altLang="en-US" dirty="0" smtClean="0">
+              <a:rPr lang="en-US" altLang="en-US" dirty="0">
                 <a:solidFill>
                   <a:srgbClr val="353833"/>
                 </a:solidFill>
                 <a:latin typeface="Arial" panose="020B0604020202020204" pitchFamily="34" charset="0"/>
                 <a:cs typeface="Arial" panose="020B0604020202020204" pitchFamily="34" charset="0"/>
               </a:rPr>
-              <a:t>: if</a:t>
-            </a:r>
-            <a:r>
-              <a:rPr lang="en-US" altLang="en-US" dirty="0">
-                <a:solidFill>
-                  <a:srgbClr val="353833"/>
-                </a:solidFill>
-                <a:latin typeface="Arial" panose="020B0604020202020204" pitchFamily="34" charset="0"/>
-                <a:cs typeface="Arial" panose="020B0604020202020204" pitchFamily="34" charset="0"/>
-              </a:rPr>
-              <a:t> </a:t>
+              <a:t>: if </a:t>
             </a:r>
             <a:r>
               <a:rPr lang="en-US" altLang="en-US" dirty="0" err="1">
@@ -6489,7 +6389,7 @@
               <a:t>true</a:t>
             </a:r>
             <a:r>
-              <a:rPr lang="en-US" altLang="en-US" dirty="0" smtClean="0">
+              <a:rPr lang="en-US" altLang="en-US" dirty="0">
                 <a:solidFill>
                   <a:srgbClr val="353833"/>
                 </a:solidFill>
@@ -6544,7 +6444,7 @@
               <a:t>C</a:t>
             </a:r>
             <a:r>
-              <a:rPr lang="en-US" altLang="en-US" i="1" dirty="0" smtClean="0">
+              <a:rPr lang="en-US" altLang="en-US" i="1" dirty="0">
                 <a:solidFill>
                   <a:srgbClr val="353833"/>
                 </a:solidFill>
@@ -6589,7 +6489,7 @@
               <a:buChar char="•"/>
             </a:pPr>
             <a:r>
-              <a:rPr lang="en-US" altLang="en-US" dirty="0" err="1" smtClean="0">
+              <a:rPr lang="en-US" altLang="en-US" dirty="0" err="1">
                 <a:solidFill>
                   <a:srgbClr val="353833"/>
                 </a:solidFill>
@@ -6599,24 +6499,14 @@
               <a:t>x.equals</a:t>
             </a:r>
             <a:r>
-              <a:rPr lang="en-US" altLang="en-US" dirty="0" smtClean="0">
+              <a:rPr lang="en-US" altLang="en-US" dirty="0">
                 <a:solidFill>
                   <a:srgbClr val="353833"/>
                 </a:solidFill>
                 <a:latin typeface="Arial Unicode MS"/>
                 <a:cs typeface="Arial" panose="020B0604020202020204" pitchFamily="34" charset="0"/>
               </a:rPr>
-              <a:t>(null</a:t>
-            </a:r>
-            <a:r>
-              <a:rPr lang="en-US" altLang="en-US" dirty="0">
-                <a:solidFill>
-                  <a:srgbClr val="353833"/>
-                </a:solidFill>
-                <a:latin typeface="Arial Unicode MS"/>
-                <a:cs typeface="Arial" panose="020B0604020202020204" pitchFamily="34" charset="0"/>
-              </a:rPr>
-              <a:t>)</a:t>
+              <a:t>(null)</a:t>
             </a:r>
             <a:r>
               <a:rPr lang="en-US" altLang="en-US" dirty="0">
@@ -6724,7 +6614,7 @@
               <a:buNone/>
               <a:tabLst/>
             </a:pPr>
-            <a:endParaRPr kumimoji="0" lang="en-US" altLang="en-US" sz="1100" b="0" i="0" u="none" strike="noStrike" cap="none" normalizeH="0" baseline="0" dirty="0" smtClean="0">
+            <a:endParaRPr kumimoji="0" lang="en-US" altLang="en-US" sz="1100" b="0" i="0" u="none" strike="noStrike" cap="none" normalizeH="0" baseline="0" dirty="0">
               <a:ln>
                 <a:noFill/>
               </a:ln>
@@ -6752,7 +6642,7 @@
               <a:buNone/>
               <a:tabLst/>
             </a:pPr>
-            <a:endParaRPr kumimoji="0" lang="en-US" altLang="en-US" sz="1100" b="0" i="0" u="none" strike="noStrike" cap="none" normalizeH="0" baseline="0" dirty="0" smtClean="0">
+            <a:endParaRPr kumimoji="0" lang="en-US" altLang="en-US" sz="1100" b="0" i="0" u="none" strike="noStrike" cap="none" normalizeH="0" baseline="0" dirty="0">
               <a:ln>
                 <a:noFill/>
               </a:ln>
@@ -6775,13 +6665,6 @@
   <p:clrMapOvr>
     <a:masterClrMapping/>
   </p:clrMapOvr>
-  <p:timing>
-    <p:tnLst>
-      <p:par>
-        <p:cTn id="1" dur="indefinite" restart="never" nodeType="tmRoot"/>
-      </p:par>
-    </p:tnLst>
-  </p:timing>
 </p:sld>
 </file>
 
@@ -6818,10 +6701,9 @@
           <a:lstStyle/>
           <a:p>
             <a:r>
-              <a:rPr lang="en-US" dirty="0" smtClean="0"/>
+              <a:rPr lang="en-US" dirty="0"/>
               <a:t>Object Methods</a:t>
             </a:r>
-            <a:endParaRPr lang="en-US" dirty="0"/>
           </a:p>
         </p:txBody>
       </p:sp>
@@ -6841,10 +6723,9 @@
           <a:lstStyle/>
           <a:p>
             <a:r>
-              <a:rPr lang="en-US" dirty="0" smtClean="0"/>
+              <a:rPr lang="en-US" dirty="0"/>
               <a:t>Equals: </a:t>
             </a:r>
-            <a:endParaRPr lang="en-US" dirty="0"/>
           </a:p>
         </p:txBody>
       </p:sp>
@@ -6882,13 +6763,6 @@
   <p:clrMapOvr>
     <a:masterClrMapping/>
   </p:clrMapOvr>
-  <p:timing>
-    <p:tnLst>
-      <p:par>
-        <p:cTn id="1" dur="indefinite" restart="never" nodeType="tmRoot"/>
-      </p:par>
-    </p:tnLst>
-  </p:timing>
 </p:sld>
 </file>
 
@@ -6925,10 +6799,9 @@
           <a:lstStyle/>
           <a:p>
             <a:r>
-              <a:rPr lang="en-US" dirty="0" smtClean="0"/>
+              <a:rPr lang="en-US" dirty="0"/>
               <a:t>Object Methods</a:t>
             </a:r>
-            <a:endParaRPr lang="en-US" dirty="0"/>
           </a:p>
         </p:txBody>
       </p:sp>
@@ -6948,14 +6821,13 @@
           <a:lstStyle/>
           <a:p>
             <a:r>
-              <a:rPr lang="en-US" dirty="0" err="1" smtClean="0"/>
+              <a:rPr lang="en-US" dirty="0" err="1"/>
               <a:t>Hashcode</a:t>
             </a:r>
             <a:r>
-              <a:rPr lang="en-US" dirty="0" smtClean="0"/>
+              <a:rPr lang="en-US" dirty="0"/>
               <a:t>: </a:t>
             </a:r>
-            <a:endParaRPr lang="en-US" dirty="0"/>
           </a:p>
         </p:txBody>
       </p:sp>
@@ -6993,13 +6865,6 @@
   <p:clrMapOvr>
     <a:masterClrMapping/>
   </p:clrMapOvr>
-  <p:timing>
-    <p:tnLst>
-      <p:par>
-        <p:cTn id="1" dur="indefinite" restart="never" nodeType="tmRoot"/>
-      </p:par>
-    </p:tnLst>
-  </p:timing>
 </p:sld>
 </file>
 
@@ -7036,10 +6901,9 @@
           <a:lstStyle/>
           <a:p>
             <a:r>
-              <a:rPr lang="en-US" dirty="0" smtClean="0"/>
+              <a:rPr lang="en-US" dirty="0"/>
               <a:t>Object Methods</a:t>
             </a:r>
-            <a:endParaRPr lang="en-US" dirty="0"/>
           </a:p>
         </p:txBody>
       </p:sp>
@@ -7059,14 +6923,20 @@
           <a:lstStyle/>
           <a:p>
             <a:r>
-              <a:rPr lang="en-US" dirty="0" err="1" smtClean="0"/>
+              <a:rPr lang="en-US" dirty="0" err="1"/>
               <a:t>CompareTo</a:t>
             </a:r>
             <a:r>
-              <a:rPr lang="en-US" dirty="0" smtClean="0"/>
+              <a:rPr lang="en-US" dirty="0"/>
               <a:t>: </a:t>
             </a:r>
-            <a:endParaRPr lang="en-US" dirty="0"/>
+          </a:p>
+          <a:p>
+            <a:pPr lvl="1"/>
+            <a:r>
+              <a:rPr lang="en-US" dirty="0"/>
+              <a:t>Demo</a:t>
+            </a:r>
           </a:p>
         </p:txBody>
       </p:sp>
@@ -7080,13 +6950,6 @@
   <p:clrMapOvr>
     <a:masterClrMapping/>
   </p:clrMapOvr>
-  <p:timing>
-    <p:tnLst>
-      <p:par>
-        <p:cTn id="1" dur="indefinite" restart="never" nodeType="tmRoot"/>
-      </p:par>
-    </p:tnLst>
-  </p:timing>
 </p:sld>
 </file>
 
@@ -7123,10 +6986,9 @@
           <a:lstStyle/>
           <a:p>
             <a:r>
-              <a:rPr lang="en-US" dirty="0" smtClean="0"/>
+              <a:rPr lang="en-US" dirty="0"/>
               <a:t>Lambda</a:t>
             </a:r>
-            <a:endParaRPr lang="en-US" dirty="0"/>
           </a:p>
         </p:txBody>
       </p:sp>
@@ -7151,12 +7013,12 @@
           <a:lstStyle/>
           <a:p>
             <a:r>
-              <a:rPr lang="en-US" dirty="0" smtClean="0"/>
+              <a:rPr lang="en-US" dirty="0"/>
               <a:t>Scenario</a:t>
             </a:r>
           </a:p>
           <a:p>
-            <a:endParaRPr lang="en-US" dirty="0" smtClean="0"/>
+            <a:endParaRPr lang="en-US" dirty="0"/>
           </a:p>
         </p:txBody>
       </p:sp>
@@ -7194,13 +7056,6 @@
   <p:clrMapOvr>
     <a:masterClrMapping/>
   </p:clrMapOvr>
-  <p:timing>
-    <p:tnLst>
-      <p:par>
-        <p:cTn id="1" dur="indefinite" restart="never" nodeType="tmRoot"/>
-      </p:par>
-    </p:tnLst>
-  </p:timing>
 </p:sld>
 </file>
 
@@ -7237,10 +7092,9 @@
           <a:lstStyle/>
           <a:p>
             <a:r>
-              <a:rPr lang="en-US" dirty="0" smtClean="0"/>
+              <a:rPr lang="en-US" dirty="0"/>
               <a:t>Lambda</a:t>
             </a:r>
-            <a:endParaRPr lang="en-US" dirty="0"/>
           </a:p>
         </p:txBody>
       </p:sp>
@@ -7260,12 +7114,8 @@
           <a:lstStyle/>
           <a:p>
             <a:r>
-              <a:rPr lang="en-US" dirty="0" smtClean="0"/>
-              <a:t>Functional </a:t>
-            </a:r>
-            <a:r>
-              <a:rPr lang="en-US" dirty="0" smtClean="0"/>
-              <a:t>Interfaces</a:t>
+              <a:rPr lang="en-US" dirty="0"/>
+              <a:t>Functional Interfaces</a:t>
             </a:r>
           </a:p>
           <a:p>
@@ -7276,96 +7126,78 @@
             </a:r>
             <a:r>
               <a:rPr lang="fr-FR" dirty="0"/>
-              <a:t>&lt;T</a:t>
-            </a:r>
-            <a:r>
-              <a:rPr lang="fr-FR" dirty="0" smtClean="0"/>
-              <a:t>&gt;</a:t>
-            </a:r>
-            <a:endParaRPr lang="fr-FR" dirty="0"/>
+              <a:t>&lt;T&gt;</a:t>
+            </a:r>
           </a:p>
           <a:p>
             <a:pPr lvl="1"/>
             <a:r>
-              <a:rPr lang="fr-FR" dirty="0" err="1" smtClean="0"/>
+              <a:rPr lang="fr-FR" dirty="0" err="1"/>
               <a:t>BinaryOperator</a:t>
             </a:r>
             <a:r>
-              <a:rPr lang="fr-FR" dirty="0" smtClean="0"/>
+              <a:rPr lang="fr-FR" dirty="0"/>
               <a:t>&lt;T&gt;</a:t>
             </a:r>
           </a:p>
           <a:p>
             <a:pPr lvl="1"/>
             <a:r>
-              <a:rPr lang="fr-FR" dirty="0" err="1" smtClean="0"/>
+              <a:rPr lang="fr-FR" dirty="0" err="1"/>
               <a:t>Predicate</a:t>
             </a:r>
             <a:r>
-              <a:rPr lang="fr-FR" dirty="0" smtClean="0"/>
+              <a:rPr lang="fr-FR" dirty="0"/>
               <a:t>&lt;T&gt;</a:t>
             </a:r>
           </a:p>
           <a:p>
             <a:pPr lvl="1"/>
             <a:r>
-              <a:rPr lang="fr-FR" dirty="0" err="1" smtClean="0"/>
+              <a:rPr lang="fr-FR" dirty="0" err="1"/>
               <a:t>Function</a:t>
             </a:r>
             <a:r>
-              <a:rPr lang="fr-FR" dirty="0" smtClean="0"/>
-              <a:t>&lt;T</a:t>
-            </a:r>
-            <a:r>
               <a:rPr lang="fr-FR" dirty="0"/>
-              <a:t>, </a:t>
-            </a:r>
-            <a:r>
-              <a:rPr lang="fr-FR" dirty="0" smtClean="0"/>
-              <a:t>R&gt;</a:t>
+              <a:t>&lt;T, R&gt;</a:t>
             </a:r>
           </a:p>
           <a:p>
             <a:pPr lvl="1"/>
             <a:r>
-              <a:rPr lang="fr-FR" dirty="0" smtClean="0"/>
+              <a:rPr lang="fr-FR" dirty="0"/>
               <a:t>Supplier&lt;T&gt;</a:t>
             </a:r>
           </a:p>
           <a:p>
             <a:pPr lvl="1"/>
             <a:r>
-              <a:rPr lang="fr-FR" dirty="0" smtClean="0"/>
-              <a:t>Consumer&lt;T</a:t>
-            </a:r>
-            <a:r>
-              <a:rPr lang="fr-FR" dirty="0" smtClean="0"/>
-              <a:t>&gt;</a:t>
+              <a:rPr lang="fr-FR" dirty="0"/>
+              <a:t>Consumer&lt;T&gt;</a:t>
             </a:r>
           </a:p>
           <a:p>
             <a:pPr lvl="1"/>
             <a:r>
-              <a:rPr lang="fr-FR" dirty="0" smtClean="0"/>
+              <a:rPr lang="fr-FR" dirty="0"/>
               <a:t>Custom </a:t>
             </a:r>
             <a:r>
-              <a:rPr lang="fr-FR" dirty="0" err="1" smtClean="0"/>
+              <a:rPr lang="fr-FR" dirty="0" err="1"/>
               <a:t>functional</a:t>
             </a:r>
             <a:r>
-              <a:rPr lang="fr-FR" dirty="0" smtClean="0"/>
+              <a:rPr lang="fr-FR" dirty="0"/>
               <a:t> interfaces</a:t>
             </a:r>
-            <a:endParaRPr lang="fr-FR" dirty="0" smtClean="0"/>
-          </a:p>
-          <a:p>
-            <a:r>
-              <a:rPr lang="fr-FR" dirty="0" smtClean="0"/>
+          </a:p>
+          <a:p>
+            <a:r>
+              <a:rPr lang="fr-FR" dirty="0"/>
               <a:t>Method </a:t>
             </a:r>
             <a:r>
-              <a:rPr lang="fr-FR" dirty="0" err="1" smtClean="0"/>
+              <a:rPr lang="fr-FR" dirty="0" err="1"/>
               <a:t>references</a:t>
             </a:r>
             <a:endParaRPr lang="en-US" dirty="0"/>
@@ -7395,19 +7227,15 @@
           <a:lstStyle/>
           <a:p>
             <a:r>
-              <a:rPr lang="en-US" sz="2400" dirty="0" smtClean="0"/>
+              <a:rPr lang="en-US" sz="2400" dirty="0"/>
               <a:t>T -&gt; T</a:t>
             </a:r>
           </a:p>
           <a:p>
             <a:pPr marL="0" lvl="1"/>
             <a:r>
-              <a:rPr lang="fr-FR" sz="2400" dirty="0" smtClean="0"/>
-              <a:t>(</a:t>
-            </a:r>
-            <a:r>
               <a:rPr lang="fr-FR" sz="2400" dirty="0"/>
-              <a:t>T, T) -&gt; T</a:t>
+              <a:t>(T, T) -&gt; T</a:t>
             </a:r>
           </a:p>
           <a:p>
@@ -7417,18 +7245,17 @@
               <a:t>T -&gt; </a:t>
             </a:r>
             <a:r>
-              <a:rPr lang="fr-FR" sz="2400" dirty="0" err="1" smtClean="0"/>
+              <a:rPr lang="fr-FR" sz="2400" dirty="0" err="1"/>
               <a:t>Boolean</a:t>
             </a:r>
-            <a:endParaRPr lang="fr-FR" sz="2400" dirty="0" smtClean="0"/>
+            <a:endParaRPr lang="fr-FR" sz="2400" dirty="0"/>
           </a:p>
           <a:p>
             <a:pPr marL="0" lvl="1"/>
             <a:r>
-              <a:rPr lang="fr-FR" sz="2400" dirty="0" smtClean="0"/>
+              <a:rPr lang="fr-FR" sz="2400" dirty="0"/>
               <a:t>T -&gt; R</a:t>
             </a:r>
-            <a:endParaRPr lang="fr-FR" sz="2400" dirty="0"/>
           </a:p>
           <a:p>
             <a:pPr marL="0" lvl="1"/>
@@ -7460,13 +7287,6 @@
   <p:clrMapOvr>
     <a:masterClrMapping/>
   </p:clrMapOvr>
-  <p:timing>
-    <p:tnLst>
-      <p:par>
-        <p:cTn id="1" dur="indefinite" restart="never" nodeType="tmRoot"/>
-      </p:par>
-    </p:tnLst>
-  </p:timing>
 </p:sld>
 </file>
 
@@ -7503,10 +7323,9 @@
           <a:lstStyle/>
           <a:p>
             <a:r>
-              <a:rPr lang="en-US" dirty="0" smtClean="0"/>
+              <a:rPr lang="en-US" dirty="0"/>
               <a:t>Method Reference</a:t>
             </a:r>
-            <a:endParaRPr lang="en-US" dirty="0"/>
           </a:p>
         </p:txBody>
       </p:sp>
@@ -7563,13 +7382,6 @@
   <p:clrMapOvr>
     <a:masterClrMapping/>
   </p:clrMapOvr>
-  <p:timing>
-    <p:tnLst>
-      <p:par>
-        <p:cTn id="1" dur="indefinite" restart="never" nodeType="tmRoot"/>
-      </p:par>
-    </p:tnLst>
-  </p:timing>
 </p:sld>
 </file>
 
@@ -7606,14 +7418,13 @@
           <a:lstStyle/>
           <a:p>
             <a:r>
-              <a:rPr lang="en-US" dirty="0" err="1" smtClean="0"/>
+              <a:rPr lang="en-US" dirty="0" err="1"/>
               <a:t>Enum</a:t>
             </a:r>
             <a:r>
-              <a:rPr lang="en-US" dirty="0" smtClean="0"/>
+              <a:rPr lang="en-US" dirty="0"/>
               <a:t> as Singleton Class</a:t>
             </a:r>
-            <a:endParaRPr lang="en-US" dirty="0"/>
           </a:p>
         </p:txBody>
       </p:sp>
@@ -7653,13 +7464,6 @@
   <p:clrMapOvr>
     <a:masterClrMapping/>
   </p:clrMapOvr>
-  <p:timing>
-    <p:tnLst>
-      <p:par>
-        <p:cTn id="1" dur="indefinite" restart="never" nodeType="tmRoot"/>
-      </p:par>
-    </p:tnLst>
-  </p:timing>
 </p:sld>
 </file>
 
@@ -7703,7 +7507,7 @@
           <a:lstStyle/>
           <a:p>
             <a:r>
-              <a:rPr lang="en-US" sz="8000" dirty="0" smtClean="0">
+              <a:rPr lang="en-US" sz="8000" dirty="0">
                 <a:solidFill>
                   <a:schemeClr val="accent6">
                     <a:lumMod val="50000"/>
@@ -7712,13 +7516,6 @@
               </a:rPr>
               <a:t>Thanks For Listening</a:t>
             </a:r>
-            <a:endParaRPr lang="en-US" sz="8000" dirty="0">
-              <a:solidFill>
-                <a:schemeClr val="accent6">
-                  <a:lumMod val="50000"/>
-                </a:schemeClr>
-              </a:solidFill>
-            </a:endParaRPr>
           </a:p>
         </p:txBody>
       </p:sp>
@@ -7732,13 +7529,6 @@
   <p:clrMapOvr>
     <a:masterClrMapping/>
   </p:clrMapOvr>
-  <p:timing>
-    <p:tnLst>
-      <p:par>
-        <p:cTn id="1" dur="indefinite" restart="never" nodeType="tmRoot"/>
-      </p:par>
-    </p:tnLst>
-  </p:timing>
 </p:sld>
 </file>
 
@@ -7775,10 +7565,9 @@
           <a:lstStyle/>
           <a:p>
             <a:r>
-              <a:rPr lang="en-US" dirty="0" smtClean="0"/>
+              <a:rPr lang="en-US" dirty="0"/>
               <a:t>Agenda</a:t>
             </a:r>
-            <a:endParaRPr lang="en-US" dirty="0"/>
           </a:p>
         </p:txBody>
       </p:sp>
@@ -7803,83 +7592,78 @@
           <a:lstStyle/>
           <a:p>
             <a:r>
-              <a:rPr lang="en-US" dirty="0" smtClean="0"/>
+              <a:rPr lang="en-US" dirty="0"/>
               <a:t>Factory Method, Builder Pattern</a:t>
             </a:r>
           </a:p>
           <a:p>
             <a:r>
               <a:rPr lang="en-US" dirty="0"/>
-              <a:t>Object </a:t>
-            </a:r>
-            <a:r>
-              <a:rPr lang="en-US" dirty="0" smtClean="0"/>
-              <a:t>Methods</a:t>
+              <a:t>Object Methods</a:t>
             </a:r>
           </a:p>
           <a:p>
             <a:pPr lvl="1"/>
             <a:r>
-              <a:rPr lang="en-US" dirty="0" smtClean="0"/>
+              <a:rPr lang="en-US" dirty="0"/>
               <a:t>Equals</a:t>
             </a:r>
           </a:p>
           <a:p>
             <a:pPr lvl="1"/>
             <a:r>
-              <a:rPr lang="en-US" dirty="0" err="1" smtClean="0"/>
+              <a:rPr lang="en-US" dirty="0" err="1"/>
               <a:t>HashCode</a:t>
             </a:r>
-            <a:endParaRPr lang="en-US" dirty="0" smtClean="0"/>
+            <a:endParaRPr lang="en-US" dirty="0"/>
           </a:p>
           <a:p>
             <a:pPr lvl="1"/>
             <a:r>
-              <a:rPr lang="en-US" dirty="0" err="1" smtClean="0"/>
+              <a:rPr lang="en-US" dirty="0" err="1"/>
               <a:t>CompareTo</a:t>
             </a:r>
             <a:r>
-              <a:rPr lang="en-US" dirty="0" smtClean="0"/>
+              <a:rPr lang="en-US" dirty="0"/>
               <a:t> using chaining Comparators</a:t>
             </a:r>
           </a:p>
           <a:p>
             <a:r>
-              <a:rPr lang="en-US" dirty="0" smtClean="0"/>
+              <a:rPr lang="en-US" dirty="0"/>
               <a:t>Lambda</a:t>
             </a:r>
           </a:p>
           <a:p>
             <a:pPr lvl="1"/>
             <a:r>
-              <a:rPr lang="en-US" dirty="0" smtClean="0"/>
+              <a:rPr lang="en-US" dirty="0"/>
               <a:t>Before Java 8</a:t>
             </a:r>
           </a:p>
           <a:p>
             <a:pPr lvl="1"/>
             <a:r>
-              <a:rPr lang="en-US" dirty="0" smtClean="0"/>
+              <a:rPr lang="en-US" dirty="0"/>
               <a:t>Functional Interfaces</a:t>
             </a:r>
           </a:p>
           <a:p>
             <a:pPr lvl="1"/>
             <a:r>
-              <a:rPr lang="en-US" dirty="0" smtClean="0"/>
+              <a:rPr lang="en-US" dirty="0"/>
               <a:t>Method references</a:t>
             </a:r>
           </a:p>
           <a:p>
             <a:r>
-              <a:rPr lang="en-US" dirty="0" err="1" smtClean="0"/>
+              <a:rPr lang="en-US" dirty="0" err="1"/>
               <a:t>Enum</a:t>
             </a:r>
             <a:r>
-              <a:rPr lang="en-US" dirty="0" smtClean="0"/>
+              <a:rPr lang="en-US" dirty="0"/>
               <a:t> as Singleton</a:t>
             </a:r>
-            <a:endParaRPr lang="en-US" dirty="0"/>
           </a:p>
         </p:txBody>
       </p:sp>
@@ -7893,13 +7677,6 @@
   <p:clrMapOvr>
     <a:masterClrMapping/>
   </p:clrMapOvr>
-  <p:timing>
-    <p:tnLst>
-      <p:par>
-        <p:cTn id="1" dur="indefinite" restart="never" nodeType="tmRoot"/>
-      </p:par>
-    </p:tnLst>
-  </p:timing>
 </p:sld>
 </file>
 
@@ -7936,10 +7713,9 @@
           <a:lstStyle/>
           <a:p>
             <a:r>
-              <a:rPr lang="en-US" dirty="0" smtClean="0"/>
+              <a:rPr lang="en-US" dirty="0"/>
               <a:t>Factory Method</a:t>
             </a:r>
-            <a:endParaRPr lang="en-US" dirty="0"/>
           </a:p>
         </p:txBody>
       </p:sp>
@@ -8155,13 +7931,6 @@
   <p:clrMapOvr>
     <a:masterClrMapping/>
   </p:clrMapOvr>
-  <p:timing>
-    <p:tnLst>
-      <p:par>
-        <p:cTn id="1" dur="indefinite" restart="never" nodeType="tmRoot"/>
-      </p:par>
-    </p:tnLst>
-  </p:timing>
 </p:sld>
 </file>
 
@@ -8198,10 +7967,9 @@
           <a:lstStyle/>
           <a:p>
             <a:r>
-              <a:rPr lang="en-US" dirty="0" smtClean="0"/>
+              <a:rPr lang="en-US" dirty="0"/>
               <a:t>Factory Method</a:t>
             </a:r>
-            <a:endParaRPr lang="en-US" dirty="0"/>
           </a:p>
         </p:txBody>
       </p:sp>
@@ -8263,13 +8031,6 @@
   <p:clrMapOvr>
     <a:masterClrMapping/>
   </p:clrMapOvr>
-  <p:timing>
-    <p:tnLst>
-      <p:par>
-        <p:cTn id="1" dur="indefinite" restart="never" nodeType="tmRoot"/>
-      </p:par>
-    </p:tnLst>
-  </p:timing>
 </p:sld>
 </file>
 
@@ -8306,10 +8067,9 @@
           <a:lstStyle/>
           <a:p>
             <a:r>
-              <a:rPr lang="en-US" dirty="0" smtClean="0"/>
+              <a:rPr lang="en-US" dirty="0"/>
               <a:t>Factory Method</a:t>
             </a:r>
-            <a:endParaRPr lang="en-US" dirty="0"/>
           </a:p>
         </p:txBody>
       </p:sp>
@@ -8347,13 +8107,6 @@
   <p:clrMapOvr>
     <a:masterClrMapping/>
   </p:clrMapOvr>
-  <p:timing>
-    <p:tnLst>
-      <p:par>
-        <p:cTn id="1" dur="indefinite" restart="never" nodeType="tmRoot"/>
-      </p:par>
-    </p:tnLst>
-  </p:timing>
 </p:sld>
 </file>
 
@@ -8390,10 +8143,9 @@
           <a:lstStyle/>
           <a:p>
             <a:r>
-              <a:rPr lang="en-US" dirty="0" smtClean="0"/>
+              <a:rPr lang="en-US" dirty="0"/>
               <a:t>Factory Method</a:t>
             </a:r>
-            <a:endParaRPr lang="en-US" dirty="0"/>
           </a:p>
         </p:txBody>
       </p:sp>
@@ -8415,62 +8167,53 @@
           <a:lstStyle/>
           <a:p>
             <a:r>
-              <a:rPr lang="en-US" dirty="0" smtClean="0"/>
+              <a:rPr lang="en-US" dirty="0"/>
               <a:t>Advantages:</a:t>
             </a:r>
           </a:p>
           <a:p>
             <a:pPr lvl="1"/>
             <a:r>
-              <a:rPr lang="en-US" dirty="0" smtClean="0"/>
-              <a:t>Meaningful </a:t>
-            </a:r>
-            <a:r>
               <a:rPr lang="en-US" dirty="0"/>
-              <a:t>name </a:t>
-            </a:r>
-            <a:endParaRPr lang="en-US" dirty="0" smtClean="0"/>
+              <a:t>Meaningful name </a:t>
+            </a:r>
           </a:p>
           <a:p>
             <a:pPr lvl="1"/>
-            <a:endParaRPr lang="en-US" dirty="0" smtClean="0"/>
+            <a:endParaRPr lang="en-US" dirty="0"/>
           </a:p>
           <a:p>
             <a:pPr lvl="1"/>
             <a:r>
-              <a:rPr lang="en-US" dirty="0" smtClean="0"/>
+              <a:rPr lang="en-US" dirty="0"/>
               <a:t>Can return cached object</a:t>
             </a:r>
           </a:p>
           <a:p>
             <a:pPr lvl="1"/>
-            <a:endParaRPr lang="en-US" dirty="0" smtClean="0"/>
+            <a:endParaRPr lang="en-US" dirty="0"/>
           </a:p>
           <a:p>
             <a:pPr lvl="1"/>
             <a:r>
               <a:rPr lang="en-US" dirty="0"/>
-              <a:t>Can return subclass </a:t>
-            </a:r>
-            <a:r>
-              <a:rPr lang="en-US" dirty="0" smtClean="0"/>
-              <a:t>type</a:t>
+              <a:t>Can return subclass type</a:t>
             </a:r>
           </a:p>
           <a:p>
             <a:pPr lvl="1"/>
-            <a:endParaRPr lang="en-US" dirty="0" smtClean="0"/>
-          </a:p>
-          <a:p>
-            <a:r>
-              <a:rPr lang="en-US" dirty="0" smtClean="0"/>
+            <a:endParaRPr lang="en-US" dirty="0"/>
+          </a:p>
+          <a:p>
+            <a:r>
+              <a:rPr lang="en-US" dirty="0"/>
               <a:t>Disadvantage:</a:t>
             </a:r>
           </a:p>
           <a:p>
             <a:pPr lvl="1"/>
             <a:r>
-              <a:rPr lang="en-US" dirty="0" smtClean="0"/>
+              <a:rPr lang="en-US" dirty="0"/>
               <a:t>Providing </a:t>
             </a:r>
             <a:r>
@@ -8479,36 +8222,23 @@
             </a:r>
             <a:r>
               <a:rPr lang="en-US" dirty="0"/>
-              <a:t> static factory methods </a:t>
-            </a:r>
-            <a:r>
-              <a:rPr lang="en-US" dirty="0" smtClean="0"/>
-              <a:t>means </a:t>
+              <a:t> static factory methods means that classes without public or protected constructors cannot be </a:t>
+            </a:r>
+            <a:r>
+              <a:rPr lang="en-US" dirty="0" err="1"/>
+              <a:t>subclassed</a:t>
             </a:r>
             <a:r>
               <a:rPr lang="en-US" dirty="0"/>
-              <a:t>that classes without public or protected constructors cannot be </a:t>
-            </a:r>
-            <a:r>
-              <a:rPr lang="en-US" dirty="0" err="1" smtClean="0"/>
-              <a:t>subclassed</a:t>
-            </a:r>
-            <a:r>
-              <a:rPr lang="en-US" dirty="0" smtClean="0"/>
               <a:t>.</a:t>
             </a:r>
           </a:p>
           <a:p>
             <a:pPr lvl="1"/>
             <a:r>
-              <a:rPr lang="en-US" dirty="0" smtClean="0"/>
-              <a:t>No </a:t>
-            </a:r>
-            <a:r>
               <a:rPr lang="en-US" dirty="0"/>
-              <a:t>difference between other static methods</a:t>
-            </a:r>
-            <a:endParaRPr lang="en-US" dirty="0" smtClean="0"/>
+              <a:t>No difference between other static methods</a:t>
+            </a:r>
           </a:p>
         </p:txBody>
       </p:sp>
@@ -8570,13 +8300,6 @@
   <p:clrMapOvr>
     <a:masterClrMapping/>
   </p:clrMapOvr>
-  <p:timing>
-    <p:tnLst>
-      <p:par>
-        <p:cTn id="1" dur="indefinite" restart="never" nodeType="tmRoot"/>
-      </p:par>
-    </p:tnLst>
-  </p:timing>
 </p:sld>
 </file>
 
@@ -8613,10 +8336,9 @@
           <a:lstStyle/>
           <a:p>
             <a:r>
-              <a:rPr lang="en-US" dirty="0" smtClean="0"/>
+              <a:rPr lang="en-US" dirty="0"/>
               <a:t>Builder Pattern</a:t>
             </a:r>
-            <a:endParaRPr lang="en-US" dirty="0"/>
           </a:p>
         </p:txBody>
       </p:sp>
@@ -8680,13 +8402,6 @@
   <p:clrMapOvr>
     <a:masterClrMapping/>
   </p:clrMapOvr>
-  <p:timing>
-    <p:tnLst>
-      <p:par>
-        <p:cTn id="1" dur="indefinite" restart="never" nodeType="tmRoot"/>
-      </p:par>
-    </p:tnLst>
-  </p:timing>
 </p:sld>
 </file>
 
@@ -8765,13 +8480,6 @@
   <p:clrMapOvr>
     <a:masterClrMapping/>
   </p:clrMapOvr>
-  <p:timing>
-    <p:tnLst>
-      <p:par>
-        <p:cTn id="1" dur="indefinite" restart="never" nodeType="tmRoot"/>
-      </p:par>
-    </p:tnLst>
-  </p:timing>
 </p:sld>
 </file>
 
@@ -8808,10 +8516,9 @@
           <a:lstStyle/>
           <a:p>
             <a:r>
-              <a:rPr lang="en-US" dirty="0" smtClean="0"/>
+              <a:rPr lang="en-US" dirty="0"/>
               <a:t>Builder Pattern</a:t>
             </a:r>
-            <a:endParaRPr lang="en-US" dirty="0"/>
           </a:p>
         </p:txBody>
       </p:sp>
@@ -8836,7 +8543,7 @@
           <a:lstStyle/>
           <a:p>
             <a:r>
-              <a:rPr lang="en-US" dirty="0" smtClean="0"/>
+              <a:rPr lang="en-US" dirty="0"/>
               <a:t>Advantages:</a:t>
             </a:r>
           </a:p>
@@ -8844,68 +8551,46 @@
             <a:pPr lvl="1"/>
             <a:r>
               <a:rPr lang="en-US" dirty="0"/>
-              <a:t>Improve readability when create complex </a:t>
-            </a:r>
-            <a:r>
-              <a:rPr lang="en-US" dirty="0" smtClean="0"/>
-              <a:t>object</a:t>
+              <a:t>Improve readability when create complex object</a:t>
             </a:r>
           </a:p>
           <a:p>
             <a:pPr lvl="1"/>
             <a:r>
               <a:rPr lang="en-US" dirty="0"/>
-              <a:t>Less errors as user will know what they are passing because of explicit method </a:t>
-            </a:r>
-            <a:r>
-              <a:rPr lang="en-US" dirty="0" smtClean="0"/>
-              <a:t>call</a:t>
+              <a:t>Less errors as user will know what they are passing because of explicit method call</a:t>
             </a:r>
           </a:p>
           <a:p>
             <a:pPr lvl="1"/>
             <a:r>
-              <a:rPr lang="en-US" dirty="0" smtClean="0"/>
-              <a:t>More </a:t>
-            </a:r>
-            <a:r>
               <a:rPr lang="en-US" dirty="0"/>
-              <a:t>maintainable if number of fields required to create object is more than 4 or 5</a:t>
-            </a:r>
-            <a:r>
-              <a:rPr lang="en-US" dirty="0" smtClean="0"/>
-              <a:t>.</a:t>
+              <a:t>More maintainable if number of fields required to create object is more than 4 or 5.</a:t>
             </a:r>
           </a:p>
           <a:p>
             <a:pPr lvl="1"/>
             <a:r>
-              <a:rPr lang="en-US" dirty="0" smtClean="0"/>
+              <a:rPr lang="en-US" dirty="0"/>
               <a:t>Not need to pass null value like constructor</a:t>
             </a:r>
           </a:p>
           <a:p>
             <a:pPr lvl="1"/>
-            <a:endParaRPr lang="en-US" dirty="0" smtClean="0"/>
-          </a:p>
-          <a:p>
-            <a:r>
-              <a:rPr lang="en-US" dirty="0" smtClean="0"/>
+            <a:endParaRPr lang="en-US" dirty="0"/>
+          </a:p>
+          <a:p>
+            <a:r>
+              <a:rPr lang="en-US" dirty="0"/>
               <a:t>Disadvantage:</a:t>
             </a:r>
-            <a:endParaRPr lang="en-US" dirty="0"/>
           </a:p>
           <a:p>
             <a:pPr lvl="1"/>
             <a:r>
-              <a:rPr lang="en-US" dirty="0" smtClean="0"/>
-              <a:t>Code </a:t>
-            </a:r>
-            <a:r>
               <a:rPr lang="en-US" dirty="0"/>
-              <a:t>duplication as Builder needs to copy all fields from Original or Item class.</a:t>
-            </a:r>
-            <a:endParaRPr lang="en-US" dirty="0" smtClean="0"/>
+              <a:t>Code duplication as Builder needs to copy all fields from Original or Item class.</a:t>
+            </a:r>
           </a:p>
         </p:txBody>
       </p:sp>
@@ -8919,13 +8604,6 @@
   <p:clrMapOvr>
     <a:masterClrMapping/>
   </p:clrMapOvr>
-  <p:timing>
-    <p:tnLst>
-      <p:par>
-        <p:cTn id="1" dur="indefinite" restart="never" nodeType="tmRoot"/>
-      </p:par>
-    </p:tnLst>
-  </p:timing>
 </p:sld>
 </file>
 
